--- a/document/모델링 레퍼런스 문서.pptx
+++ b/document/모델링 레퍼런스 문서.pptx
@@ -9,6 +9,8 @@
     <p:sldId id="258" r:id="rId3"/>
     <p:sldId id="257" r:id="rId4"/>
     <p:sldId id="259" r:id="rId5"/>
+    <p:sldId id="260" r:id="rId6"/>
+    <p:sldId id="261" r:id="rId7"/>
   </p:sldIdLst>
   <p:sldSz cx="12192000" cy="6858000"/>
   <p:notesSz cx="6858000" cy="9144000"/>
@@ -262,7 +264,7 @@
           <a:p>
             <a:fld id="{6C15799E-34BC-4B65-B191-A6659810C26C}" type="datetimeFigureOut">
               <a:rPr lang="ko-KR" altLang="en-US" smtClean="0"/>
-              <a:t>2025-03-10</a:t>
+              <a:t>2025-03-30</a:t>
             </a:fld>
             <a:endParaRPr lang="ko-KR" altLang="en-US"/>
           </a:p>
@@ -460,7 +462,7 @@
           <a:p>
             <a:fld id="{6C15799E-34BC-4B65-B191-A6659810C26C}" type="datetimeFigureOut">
               <a:rPr lang="ko-KR" altLang="en-US" smtClean="0"/>
-              <a:t>2025-03-10</a:t>
+              <a:t>2025-03-30</a:t>
             </a:fld>
             <a:endParaRPr lang="ko-KR" altLang="en-US"/>
           </a:p>
@@ -668,7 +670,7 @@
           <a:p>
             <a:fld id="{6C15799E-34BC-4B65-B191-A6659810C26C}" type="datetimeFigureOut">
               <a:rPr lang="ko-KR" altLang="en-US" smtClean="0"/>
-              <a:t>2025-03-10</a:t>
+              <a:t>2025-03-30</a:t>
             </a:fld>
             <a:endParaRPr lang="ko-KR" altLang="en-US"/>
           </a:p>
@@ -866,7 +868,7 @@
           <a:p>
             <a:fld id="{6C15799E-34BC-4B65-B191-A6659810C26C}" type="datetimeFigureOut">
               <a:rPr lang="ko-KR" altLang="en-US" smtClean="0"/>
-              <a:t>2025-03-10</a:t>
+              <a:t>2025-03-30</a:t>
             </a:fld>
             <a:endParaRPr lang="ko-KR" altLang="en-US"/>
           </a:p>
@@ -1141,7 +1143,7 @@
           <a:p>
             <a:fld id="{6C15799E-34BC-4B65-B191-A6659810C26C}" type="datetimeFigureOut">
               <a:rPr lang="ko-KR" altLang="en-US" smtClean="0"/>
-              <a:t>2025-03-10</a:t>
+              <a:t>2025-03-30</a:t>
             </a:fld>
             <a:endParaRPr lang="ko-KR" altLang="en-US"/>
           </a:p>
@@ -1406,7 +1408,7 @@
           <a:p>
             <a:fld id="{6C15799E-34BC-4B65-B191-A6659810C26C}" type="datetimeFigureOut">
               <a:rPr lang="ko-KR" altLang="en-US" smtClean="0"/>
-              <a:t>2025-03-10</a:t>
+              <a:t>2025-03-30</a:t>
             </a:fld>
             <a:endParaRPr lang="ko-KR" altLang="en-US"/>
           </a:p>
@@ -1818,7 +1820,7 @@
           <a:p>
             <a:fld id="{6C15799E-34BC-4B65-B191-A6659810C26C}" type="datetimeFigureOut">
               <a:rPr lang="ko-KR" altLang="en-US" smtClean="0"/>
-              <a:t>2025-03-10</a:t>
+              <a:t>2025-03-30</a:t>
             </a:fld>
             <a:endParaRPr lang="ko-KR" altLang="en-US"/>
           </a:p>
@@ -1959,7 +1961,7 @@
           <a:p>
             <a:fld id="{6C15799E-34BC-4B65-B191-A6659810C26C}" type="datetimeFigureOut">
               <a:rPr lang="ko-KR" altLang="en-US" smtClean="0"/>
-              <a:t>2025-03-10</a:t>
+              <a:t>2025-03-30</a:t>
             </a:fld>
             <a:endParaRPr lang="ko-KR" altLang="en-US"/>
           </a:p>
@@ -2072,7 +2074,7 @@
           <a:p>
             <a:fld id="{6C15799E-34BC-4B65-B191-A6659810C26C}" type="datetimeFigureOut">
               <a:rPr lang="ko-KR" altLang="en-US" smtClean="0"/>
-              <a:t>2025-03-10</a:t>
+              <a:t>2025-03-30</a:t>
             </a:fld>
             <a:endParaRPr lang="ko-KR" altLang="en-US"/>
           </a:p>
@@ -2383,7 +2385,7 @@
           <a:p>
             <a:fld id="{6C15799E-34BC-4B65-B191-A6659810C26C}" type="datetimeFigureOut">
               <a:rPr lang="ko-KR" altLang="en-US" smtClean="0"/>
-              <a:t>2025-03-10</a:t>
+              <a:t>2025-03-30</a:t>
             </a:fld>
             <a:endParaRPr lang="ko-KR" altLang="en-US"/>
           </a:p>
@@ -2671,7 +2673,7 @@
           <a:p>
             <a:fld id="{6C15799E-34BC-4B65-B191-A6659810C26C}" type="datetimeFigureOut">
               <a:rPr lang="ko-KR" altLang="en-US" smtClean="0"/>
-              <a:t>2025-03-10</a:t>
+              <a:t>2025-03-30</a:t>
             </a:fld>
             <a:endParaRPr lang="ko-KR" altLang="en-US"/>
           </a:p>
@@ -2912,7 +2914,7 @@
           <a:p>
             <a:fld id="{6C15799E-34BC-4B65-B191-A6659810C26C}" type="datetimeFigureOut">
               <a:rPr lang="ko-KR" altLang="en-US" smtClean="0"/>
-              <a:t>2025-03-10</a:t>
+              <a:t>2025-03-30</a:t>
             </a:fld>
             <a:endParaRPr lang="ko-KR" altLang="en-US"/>
           </a:p>
@@ -4775,6 +4777,158 @@
     <p:extLst>
       <p:ext uri="{BB962C8B-B14F-4D97-AF65-F5344CB8AC3E}">
         <p14:creationId xmlns:p14="http://schemas.microsoft.com/office/powerpoint/2010/main" val="456303270"/>
+      </p:ext>
+    </p:extLst>
+  </p:cSld>
+  <p:clrMapOvr>
+    <a:masterClrMapping/>
+  </p:clrMapOvr>
+</p:sld>
+</file>
+
+<file path=ppt/slides/slide5.xml><?xml version="1.0" encoding="utf-8"?>
+<p:sld xmlns:a="http://schemas.openxmlformats.org/drawingml/2006/main" xmlns:r="http://schemas.openxmlformats.org/officeDocument/2006/relationships" xmlns:p="http://schemas.openxmlformats.org/presentationml/2006/main">
+  <p:cSld>
+    <p:spTree>
+      <p:nvGrpSpPr>
+        <p:cNvPr id="1" name=""/>
+        <p:cNvGrpSpPr/>
+        <p:nvPr/>
+      </p:nvGrpSpPr>
+      <p:grpSpPr>
+        <a:xfrm>
+          <a:off x="0" y="0"/>
+          <a:ext cx="0" cy="0"/>
+          <a:chOff x="0" y="0"/>
+          <a:chExt cx="0" cy="0"/>
+        </a:xfrm>
+      </p:grpSpPr>
+      <p:sp>
+        <p:nvSpPr>
+          <p:cNvPr id="2" name="제목 1">
+            <a:extLst>
+              <a:ext uri="{FF2B5EF4-FFF2-40B4-BE49-F238E27FC236}">
+                <a16:creationId xmlns:a16="http://schemas.microsoft.com/office/drawing/2014/main" id="{A29DB93B-9171-B712-3FEA-A12B7FAF984D}"/>
+              </a:ext>
+            </a:extLst>
+          </p:cNvPr>
+          <p:cNvSpPr txBox="1">
+            <a:spLocks/>
+          </p:cNvSpPr>
+          <p:nvPr/>
+        </p:nvSpPr>
+        <p:spPr>
+          <a:xfrm>
+            <a:off x="1524000" y="1122363"/>
+            <a:ext cx="9144000" cy="2387600"/>
+          </a:xfrm>
+          <a:prstGeom prst="rect">
+            <a:avLst/>
+          </a:prstGeom>
+        </p:spPr>
+        <p:txBody>
+          <a:bodyPr/>
+          <a:lstStyle>
+            <a:lvl1pPr algn="l" defTabSz="914400" rtl="0" eaLnBrk="1" latinLnBrk="1" hangingPunct="1">
+              <a:lnSpc>
+                <a:spcPct val="90000"/>
+              </a:lnSpc>
+              <a:spcBef>
+                <a:spcPct val="0"/>
+              </a:spcBef>
+              <a:buNone/>
+              <a:defRPr sz="4400" kern="1200">
+                <a:solidFill>
+                  <a:schemeClr val="tx1"/>
+                </a:solidFill>
+                <a:latin typeface="+mj-lt"/>
+                <a:ea typeface="+mj-ea"/>
+                <a:cs typeface="+mj-cs"/>
+              </a:defRPr>
+            </a:lvl1pPr>
+          </a:lstStyle>
+          <a:p>
+            <a:r>
+              <a:rPr lang="en-US" altLang="ko-KR" dirty="0"/>
+              <a:t>UI</a:t>
+            </a:r>
+            <a:r>
+              <a:rPr lang="ko-KR" altLang="en-US" dirty="0"/>
+              <a:t>레퍼런스 이미지</a:t>
+            </a:r>
+            <a:endParaRPr lang="en-US" altLang="ko-KR" dirty="0"/>
+          </a:p>
+        </p:txBody>
+      </p:sp>
+    </p:spTree>
+    <p:extLst>
+      <p:ext uri="{BB962C8B-B14F-4D97-AF65-F5344CB8AC3E}">
+        <p14:creationId xmlns:p14="http://schemas.microsoft.com/office/powerpoint/2010/main" val="1709098445"/>
+      </p:ext>
+    </p:extLst>
+  </p:cSld>
+  <p:clrMapOvr>
+    <a:masterClrMapping/>
+  </p:clrMapOvr>
+</p:sld>
+</file>
+
+<file path=ppt/slides/slide6.xml><?xml version="1.0" encoding="utf-8"?>
+<p:sld xmlns:a="http://schemas.openxmlformats.org/drawingml/2006/main" xmlns:r="http://schemas.openxmlformats.org/officeDocument/2006/relationships" xmlns:p="http://schemas.openxmlformats.org/presentationml/2006/main">
+  <p:cSld>
+    <p:spTree>
+      <p:nvGrpSpPr>
+        <p:cNvPr id="1" name=""/>
+        <p:cNvGrpSpPr/>
+        <p:nvPr/>
+      </p:nvGrpSpPr>
+      <p:grpSpPr>
+        <a:xfrm>
+          <a:off x="0" y="0"/>
+          <a:ext cx="0" cy="0"/>
+          <a:chOff x="0" y="0"/>
+          <a:chExt cx="0" cy="0"/>
+        </a:xfrm>
+      </p:grpSpPr>
+      <p:pic>
+        <p:nvPicPr>
+          <p:cNvPr id="5" name="그림 4" descr="가구, 스크린샷, 의자, 텍스트이(가) 표시된 사진&#10;&#10;AI가 생성한 콘텐츠는 부정확할 수 있습니다.">
+            <a:extLst>
+              <a:ext uri="{FF2B5EF4-FFF2-40B4-BE49-F238E27FC236}">
+                <a16:creationId xmlns:a16="http://schemas.microsoft.com/office/drawing/2014/main" id="{F51B8E3E-0F87-5828-1F0C-BBCF91A585AD}"/>
+              </a:ext>
+            </a:extLst>
+          </p:cNvPr>
+          <p:cNvPicPr>
+            <a:picLocks noChangeAspect="1"/>
+          </p:cNvPicPr>
+          <p:nvPr/>
+        </p:nvPicPr>
+        <p:blipFill>
+          <a:blip r:embed="rId2">
+            <a:extLst>
+              <a:ext uri="{28A0092B-C50C-407E-A947-70E740481C1C}">
+                <a14:useLocalDpi xmlns:a14="http://schemas.microsoft.com/office/drawing/2010/main" val="0"/>
+              </a:ext>
+            </a:extLst>
+          </a:blip>
+          <a:srcRect l="33580" t="18054" r="33951" b="45114"/>
+          <a:stretch/>
+        </p:blipFill>
+        <p:spPr>
+          <a:xfrm>
+            <a:off x="1437044" y="1253654"/>
+            <a:ext cx="5397519" cy="3444242"/>
+          </a:xfrm>
+          <a:prstGeom prst="rect">
+            <a:avLst/>
+          </a:prstGeom>
+        </p:spPr>
+      </p:pic>
+    </p:spTree>
+    <p:extLst>
+      <p:ext uri="{BB962C8B-B14F-4D97-AF65-F5344CB8AC3E}">
+        <p14:creationId xmlns:p14="http://schemas.microsoft.com/office/powerpoint/2010/main" val="1520165152"/>
       </p:ext>
     </p:extLst>
   </p:cSld>

--- a/document/모델링 레퍼런스 문서.pptx
+++ b/document/모델링 레퍼런스 문서.pptx
@@ -11,6 +11,9 @@
     <p:sldId id="259" r:id="rId5"/>
     <p:sldId id="260" r:id="rId6"/>
     <p:sldId id="261" r:id="rId7"/>
+    <p:sldId id="262" r:id="rId8"/>
+    <p:sldId id="263" r:id="rId9"/>
+    <p:sldId id="264" r:id="rId10"/>
   </p:sldIdLst>
   <p:sldSz cx="12192000" cy="6858000"/>
   <p:notesSz cx="6858000" cy="9144000"/>
@@ -264,7 +267,7 @@
           <a:p>
             <a:fld id="{6C15799E-34BC-4B65-B191-A6659810C26C}" type="datetimeFigureOut">
               <a:rPr lang="ko-KR" altLang="en-US" smtClean="0"/>
-              <a:t>2025-03-30</a:t>
+              <a:t>2025-04-02</a:t>
             </a:fld>
             <a:endParaRPr lang="ko-KR" altLang="en-US"/>
           </a:p>
@@ -462,7 +465,7 @@
           <a:p>
             <a:fld id="{6C15799E-34BC-4B65-B191-A6659810C26C}" type="datetimeFigureOut">
               <a:rPr lang="ko-KR" altLang="en-US" smtClean="0"/>
-              <a:t>2025-03-30</a:t>
+              <a:t>2025-04-02</a:t>
             </a:fld>
             <a:endParaRPr lang="ko-KR" altLang="en-US"/>
           </a:p>
@@ -670,7 +673,7 @@
           <a:p>
             <a:fld id="{6C15799E-34BC-4B65-B191-A6659810C26C}" type="datetimeFigureOut">
               <a:rPr lang="ko-KR" altLang="en-US" smtClean="0"/>
-              <a:t>2025-03-30</a:t>
+              <a:t>2025-04-02</a:t>
             </a:fld>
             <a:endParaRPr lang="ko-KR" altLang="en-US"/>
           </a:p>
@@ -868,7 +871,7 @@
           <a:p>
             <a:fld id="{6C15799E-34BC-4B65-B191-A6659810C26C}" type="datetimeFigureOut">
               <a:rPr lang="ko-KR" altLang="en-US" smtClean="0"/>
-              <a:t>2025-03-30</a:t>
+              <a:t>2025-04-02</a:t>
             </a:fld>
             <a:endParaRPr lang="ko-KR" altLang="en-US"/>
           </a:p>
@@ -1143,7 +1146,7 @@
           <a:p>
             <a:fld id="{6C15799E-34BC-4B65-B191-A6659810C26C}" type="datetimeFigureOut">
               <a:rPr lang="ko-KR" altLang="en-US" smtClean="0"/>
-              <a:t>2025-03-30</a:t>
+              <a:t>2025-04-02</a:t>
             </a:fld>
             <a:endParaRPr lang="ko-KR" altLang="en-US"/>
           </a:p>
@@ -1408,7 +1411,7 @@
           <a:p>
             <a:fld id="{6C15799E-34BC-4B65-B191-A6659810C26C}" type="datetimeFigureOut">
               <a:rPr lang="ko-KR" altLang="en-US" smtClean="0"/>
-              <a:t>2025-03-30</a:t>
+              <a:t>2025-04-02</a:t>
             </a:fld>
             <a:endParaRPr lang="ko-KR" altLang="en-US"/>
           </a:p>
@@ -1820,7 +1823,7 @@
           <a:p>
             <a:fld id="{6C15799E-34BC-4B65-B191-A6659810C26C}" type="datetimeFigureOut">
               <a:rPr lang="ko-KR" altLang="en-US" smtClean="0"/>
-              <a:t>2025-03-30</a:t>
+              <a:t>2025-04-02</a:t>
             </a:fld>
             <a:endParaRPr lang="ko-KR" altLang="en-US"/>
           </a:p>
@@ -1961,7 +1964,7 @@
           <a:p>
             <a:fld id="{6C15799E-34BC-4B65-B191-A6659810C26C}" type="datetimeFigureOut">
               <a:rPr lang="ko-KR" altLang="en-US" smtClean="0"/>
-              <a:t>2025-03-30</a:t>
+              <a:t>2025-04-02</a:t>
             </a:fld>
             <a:endParaRPr lang="ko-KR" altLang="en-US"/>
           </a:p>
@@ -2074,7 +2077,7 @@
           <a:p>
             <a:fld id="{6C15799E-34BC-4B65-B191-A6659810C26C}" type="datetimeFigureOut">
               <a:rPr lang="ko-KR" altLang="en-US" smtClean="0"/>
-              <a:t>2025-03-30</a:t>
+              <a:t>2025-04-02</a:t>
             </a:fld>
             <a:endParaRPr lang="ko-KR" altLang="en-US"/>
           </a:p>
@@ -2385,7 +2388,7 @@
           <a:p>
             <a:fld id="{6C15799E-34BC-4B65-B191-A6659810C26C}" type="datetimeFigureOut">
               <a:rPr lang="ko-KR" altLang="en-US" smtClean="0"/>
-              <a:t>2025-03-30</a:t>
+              <a:t>2025-04-02</a:t>
             </a:fld>
             <a:endParaRPr lang="ko-KR" altLang="en-US"/>
           </a:p>
@@ -2673,7 +2676,7 @@
           <a:p>
             <a:fld id="{6C15799E-34BC-4B65-B191-A6659810C26C}" type="datetimeFigureOut">
               <a:rPr lang="ko-KR" altLang="en-US" smtClean="0"/>
-              <a:t>2025-03-30</a:t>
+              <a:t>2025-04-02</a:t>
             </a:fld>
             <a:endParaRPr lang="ko-KR" altLang="en-US"/>
           </a:p>
@@ -2914,7 +2917,7 @@
           <a:p>
             <a:fld id="{6C15799E-34BC-4B65-B191-A6659810C26C}" type="datetimeFigureOut">
               <a:rPr lang="ko-KR" altLang="en-US" smtClean="0"/>
-              <a:t>2025-03-30</a:t>
+              <a:t>2025-04-02</a:t>
             </a:fld>
             <a:endParaRPr lang="ko-KR" altLang="en-US"/>
           </a:p>
@@ -4890,12 +4893,51 @@
           <a:chExt cx="0" cy="0"/>
         </a:xfrm>
       </p:grpSpPr>
+      <p:sp>
+        <p:nvSpPr>
+          <p:cNvPr id="2" name="TextBox 1">
+            <a:extLst>
+              <a:ext uri="{FF2B5EF4-FFF2-40B4-BE49-F238E27FC236}">
+                <a16:creationId xmlns:a16="http://schemas.microsoft.com/office/drawing/2014/main" id="{77AC7010-5FAB-328C-23E2-E9F625044F47}"/>
+              </a:ext>
+            </a:extLst>
+          </p:cNvPr>
+          <p:cNvSpPr txBox="1"/>
+          <p:nvPr/>
+        </p:nvSpPr>
+        <p:spPr>
+          <a:xfrm>
+            <a:off x="384313" y="291548"/>
+            <a:ext cx="2404120" cy="400110"/>
+          </a:xfrm>
+          <a:prstGeom prst="rect">
+            <a:avLst/>
+          </a:prstGeom>
+          <a:noFill/>
+        </p:spPr>
+        <p:txBody>
+          <a:bodyPr wrap="none" rtlCol="0">
+            <a:spAutoFit/>
+          </a:bodyPr>
+          <a:lstStyle/>
+          <a:p>
+            <a:r>
+              <a:rPr lang="en-US" altLang="ko-KR" sz="2000" b="1" dirty="0"/>
+              <a:t>UI Panel </a:t>
+            </a:r>
+            <a:r>
+              <a:rPr lang="ko-KR" altLang="en-US" sz="2000" b="1" dirty="0"/>
+              <a:t>공통 사항</a:t>
+            </a:r>
+          </a:p>
+        </p:txBody>
+      </p:sp>
       <p:pic>
         <p:nvPicPr>
-          <p:cNvPr id="5" name="그림 4" descr="가구, 스크린샷, 의자, 텍스트이(가) 표시된 사진&#10;&#10;AI가 생성한 콘텐츠는 부정확할 수 있습니다.">
-            <a:extLst>
-              <a:ext uri="{FF2B5EF4-FFF2-40B4-BE49-F238E27FC236}">
-                <a16:creationId xmlns:a16="http://schemas.microsoft.com/office/drawing/2014/main" id="{F51B8E3E-0F87-5828-1F0C-BBCF91A585AD}"/>
+          <p:cNvPr id="7" name="그림 6" descr="텍스트, 스크린샷, 디스플레이, 번호이(가) 표시된 사진&#10;&#10;AI가 생성한 콘텐츠는 부정확할 수 있습니다.">
+            <a:extLst>
+              <a:ext uri="{FF2B5EF4-FFF2-40B4-BE49-F238E27FC236}">
+                <a16:creationId xmlns:a16="http://schemas.microsoft.com/office/drawing/2014/main" id="{04EC6D9F-AE0F-FC8F-E410-4D6EB3B3047D}"/>
               </a:ext>
             </a:extLst>
           </p:cNvPr>
@@ -4912,23 +4954,1077 @@
               </a:ext>
             </a:extLst>
           </a:blip>
-          <a:srcRect l="33580" t="18054" r="33951" b="45114"/>
-          <a:stretch/>
+          <a:stretch>
+            <a:fillRect/>
+          </a:stretch>
         </p:blipFill>
         <p:spPr>
           <a:xfrm>
-            <a:off x="1437044" y="1253654"/>
-            <a:ext cx="5397519" cy="3444242"/>
+            <a:off x="2365346" y="1415121"/>
+            <a:ext cx="7922165" cy="4462218"/>
           </a:xfrm>
           <a:prstGeom prst="rect">
             <a:avLst/>
           </a:prstGeom>
         </p:spPr>
       </p:pic>
+      <p:pic>
+        <p:nvPicPr>
+          <p:cNvPr id="5" name="그림 4" descr="가구, 스크린샷, 의자, 텍스트이(가) 표시된 사진&#10;&#10;AI가 생성한 콘텐츠는 부정확할 수 있습니다.">
+            <a:extLst>
+              <a:ext uri="{FF2B5EF4-FFF2-40B4-BE49-F238E27FC236}">
+                <a16:creationId xmlns:a16="http://schemas.microsoft.com/office/drawing/2014/main" id="{F51B8E3E-0F87-5828-1F0C-BBCF91A585AD}"/>
+              </a:ext>
+            </a:extLst>
+          </p:cNvPr>
+          <p:cNvPicPr>
+            <a:picLocks noChangeAspect="1"/>
+          </p:cNvPicPr>
+          <p:nvPr/>
+        </p:nvPicPr>
+        <p:blipFill>
+          <a:blip r:embed="rId3">
+            <a:extLst>
+              <a:ext uri="{28A0092B-C50C-407E-A947-70E740481C1C}">
+                <a14:useLocalDpi xmlns:a14="http://schemas.microsoft.com/office/drawing/2010/main" val="0"/>
+              </a:ext>
+            </a:extLst>
+          </a:blip>
+          <a:srcRect l="34320" t="18663" r="34359" b="46075"/>
+          <a:stretch/>
+        </p:blipFill>
+        <p:spPr>
+          <a:xfrm>
+            <a:off x="8373288" y="848068"/>
+            <a:ext cx="3708286" cy="2348504"/>
+          </a:xfrm>
+          <a:prstGeom prst="rect">
+            <a:avLst/>
+          </a:prstGeom>
+        </p:spPr>
+      </p:pic>
+      <p:grpSp>
+        <p:nvGrpSpPr>
+          <p:cNvPr id="22" name="그룹 21">
+            <a:extLst>
+              <a:ext uri="{FF2B5EF4-FFF2-40B4-BE49-F238E27FC236}">
+                <a16:creationId xmlns:a16="http://schemas.microsoft.com/office/drawing/2014/main" id="{D35EFA35-40CE-5A9E-A4CF-44A76F78FC30}"/>
+              </a:ext>
+            </a:extLst>
+          </p:cNvPr>
+          <p:cNvGrpSpPr/>
+          <p:nvPr/>
+        </p:nvGrpSpPr>
+        <p:grpSpPr>
+          <a:xfrm>
+            <a:off x="204897" y="1758292"/>
+            <a:ext cx="3399183" cy="2147787"/>
+            <a:chOff x="204897" y="1758292"/>
+            <a:chExt cx="3399183" cy="2147787"/>
+          </a:xfrm>
+        </p:grpSpPr>
+        <p:pic>
+          <p:nvPicPr>
+            <p:cNvPr id="4" name="그림 3" descr="텍스트, 스크린샷, PC 게임, 비디오 게임 소프트웨어이(가) 표시된 사진&#10;&#10;AI가 생성한 콘텐츠는 부정확할 수 있습니다.">
+              <a:extLst>
+                <a:ext uri="{FF2B5EF4-FFF2-40B4-BE49-F238E27FC236}">
+                  <a16:creationId xmlns:a16="http://schemas.microsoft.com/office/drawing/2014/main" id="{F4651FB7-DD57-7D98-C636-68C20B95D740}"/>
+                </a:ext>
+              </a:extLst>
+            </p:cNvPr>
+            <p:cNvPicPr>
+              <a:picLocks noChangeAspect="1"/>
+            </p:cNvPicPr>
+            <p:nvPr/>
+          </p:nvPicPr>
+          <p:blipFill>
+            <a:blip r:embed="rId4">
+              <a:extLst>
+                <a:ext uri="{28A0092B-C50C-407E-A947-70E740481C1C}">
+                  <a14:useLocalDpi xmlns:a14="http://schemas.microsoft.com/office/drawing/2010/main" val="0"/>
+                </a:ext>
+              </a:extLst>
+            </a:blip>
+            <a:srcRect l="29402" t="19942" r="28967" b="23119"/>
+            <a:stretch/>
+          </p:blipFill>
+          <p:spPr>
+            <a:xfrm>
+              <a:off x="204897" y="1758292"/>
+              <a:ext cx="3399183" cy="2147787"/>
+            </a:xfrm>
+            <a:prstGeom prst="rect">
+              <a:avLst/>
+            </a:prstGeom>
+          </p:spPr>
+        </p:pic>
+        <p:sp>
+          <p:nvSpPr>
+            <p:cNvPr id="13" name="타원 12">
+              <a:extLst>
+                <a:ext uri="{FF2B5EF4-FFF2-40B4-BE49-F238E27FC236}">
+                  <a16:creationId xmlns:a16="http://schemas.microsoft.com/office/drawing/2014/main" id="{3159CD70-EBB0-7268-2337-4FC77DA86174}"/>
+                </a:ext>
+              </a:extLst>
+            </p:cNvPr>
+            <p:cNvSpPr/>
+            <p:nvPr/>
+          </p:nvSpPr>
+          <p:spPr>
+            <a:xfrm>
+              <a:off x="224775" y="1778170"/>
+              <a:ext cx="389749" cy="389749"/>
+            </a:xfrm>
+            <a:prstGeom prst="ellipse">
+              <a:avLst/>
+            </a:prstGeom>
+            <a:solidFill>
+              <a:schemeClr val="bg1"/>
+            </a:solidFill>
+            <a:ln w="38100">
+              <a:solidFill>
+                <a:srgbClr val="FF0000"/>
+              </a:solidFill>
+            </a:ln>
+          </p:spPr>
+          <p:style>
+            <a:lnRef idx="2">
+              <a:schemeClr val="accent1">
+                <a:shade val="15000"/>
+              </a:schemeClr>
+            </a:lnRef>
+            <a:fillRef idx="1">
+              <a:schemeClr val="accent1"/>
+            </a:fillRef>
+            <a:effectRef idx="0">
+              <a:schemeClr val="accent1"/>
+            </a:effectRef>
+            <a:fontRef idx="minor">
+              <a:schemeClr val="lt1"/>
+            </a:fontRef>
+          </p:style>
+          <p:txBody>
+            <a:bodyPr rtlCol="0" anchor="ctr"/>
+            <a:lstStyle/>
+            <a:p>
+              <a:pPr algn="ctr"/>
+              <a:r>
+                <a:rPr lang="en-US" altLang="ko-KR" dirty="0">
+                  <a:solidFill>
+                    <a:schemeClr val="tx1"/>
+                  </a:solidFill>
+                </a:rPr>
+                <a:t>1</a:t>
+              </a:r>
+              <a:endParaRPr lang="ko-KR" altLang="en-US" dirty="0">
+                <a:solidFill>
+                  <a:schemeClr val="tx1"/>
+                </a:solidFill>
+              </a:endParaRPr>
+            </a:p>
+          </p:txBody>
+        </p:sp>
+      </p:grpSp>
+      <p:sp>
+        <p:nvSpPr>
+          <p:cNvPr id="14" name="타원 13">
+            <a:extLst>
+              <a:ext uri="{FF2B5EF4-FFF2-40B4-BE49-F238E27FC236}">
+                <a16:creationId xmlns:a16="http://schemas.microsoft.com/office/drawing/2014/main" id="{7A5194FC-4B29-CEFB-1669-E49070D4F0DD}"/>
+              </a:ext>
+            </a:extLst>
+          </p:cNvPr>
+          <p:cNvSpPr/>
+          <p:nvPr/>
+        </p:nvSpPr>
+        <p:spPr>
+          <a:xfrm>
+            <a:off x="8404371" y="872901"/>
+            <a:ext cx="389749" cy="389749"/>
+          </a:xfrm>
+          <a:prstGeom prst="ellipse">
+            <a:avLst/>
+          </a:prstGeom>
+          <a:solidFill>
+            <a:schemeClr val="bg1"/>
+          </a:solidFill>
+          <a:ln w="38100">
+            <a:solidFill>
+              <a:srgbClr val="FF0000"/>
+            </a:solidFill>
+          </a:ln>
+        </p:spPr>
+        <p:style>
+          <a:lnRef idx="2">
+            <a:schemeClr val="accent1">
+              <a:shade val="15000"/>
+            </a:schemeClr>
+          </a:lnRef>
+          <a:fillRef idx="1">
+            <a:schemeClr val="accent1"/>
+          </a:fillRef>
+          <a:effectRef idx="0">
+            <a:schemeClr val="accent1"/>
+          </a:effectRef>
+          <a:fontRef idx="minor">
+            <a:schemeClr val="lt1"/>
+          </a:fontRef>
+        </p:style>
+        <p:txBody>
+          <a:bodyPr rtlCol="0" anchor="ctr"/>
+          <a:lstStyle/>
+          <a:p>
+            <a:pPr algn="ctr"/>
+            <a:r>
+              <a:rPr lang="en-US" altLang="ko-KR" dirty="0">
+                <a:solidFill>
+                  <a:schemeClr val="tx1"/>
+                </a:solidFill>
+              </a:rPr>
+              <a:t>2</a:t>
+            </a:r>
+            <a:endParaRPr lang="ko-KR" altLang="en-US" dirty="0">
+              <a:solidFill>
+                <a:schemeClr val="tx1"/>
+              </a:solidFill>
+            </a:endParaRPr>
+          </a:p>
+        </p:txBody>
+      </p:sp>
+      <p:cxnSp>
+        <p:nvCxnSpPr>
+          <p:cNvPr id="3" name="직선 화살표 연결선 2">
+            <a:extLst>
+              <a:ext uri="{FF2B5EF4-FFF2-40B4-BE49-F238E27FC236}">
+                <a16:creationId xmlns:a16="http://schemas.microsoft.com/office/drawing/2014/main" id="{CF654BC4-FC13-1EB1-ECD5-2F78A4D7471D}"/>
+              </a:ext>
+            </a:extLst>
+          </p:cNvPr>
+          <p:cNvCxnSpPr>
+            <a:cxnSpLocks/>
+          </p:cNvCxnSpPr>
+          <p:nvPr/>
+        </p:nvCxnSpPr>
+        <p:spPr>
+          <a:xfrm>
+            <a:off x="3266661" y="3770243"/>
+            <a:ext cx="53009" cy="536714"/>
+          </a:xfrm>
+          <a:prstGeom prst="straightConnector1">
+            <a:avLst/>
+          </a:prstGeom>
+          <a:ln w="57150">
+            <a:solidFill>
+              <a:srgbClr val="FF0000"/>
+            </a:solidFill>
+            <a:tailEnd type="triangle"/>
+          </a:ln>
+        </p:spPr>
+        <p:style>
+          <a:lnRef idx="2">
+            <a:schemeClr val="accent1"/>
+          </a:lnRef>
+          <a:fillRef idx="0">
+            <a:schemeClr val="accent1"/>
+          </a:fillRef>
+          <a:effectRef idx="1">
+            <a:schemeClr val="accent1"/>
+          </a:effectRef>
+          <a:fontRef idx="minor">
+            <a:schemeClr val="tx1"/>
+          </a:fontRef>
+        </p:style>
+      </p:cxnSp>
+      <p:cxnSp>
+        <p:nvCxnSpPr>
+          <p:cNvPr id="10" name="직선 화살표 연결선 9">
+            <a:extLst>
+              <a:ext uri="{FF2B5EF4-FFF2-40B4-BE49-F238E27FC236}">
+                <a16:creationId xmlns:a16="http://schemas.microsoft.com/office/drawing/2014/main" id="{7681B1D7-5213-1E0C-85D6-8780304A5FD1}"/>
+              </a:ext>
+            </a:extLst>
+          </p:cNvPr>
+          <p:cNvCxnSpPr>
+            <a:cxnSpLocks/>
+          </p:cNvCxnSpPr>
+          <p:nvPr/>
+        </p:nvCxnSpPr>
+        <p:spPr>
+          <a:xfrm flipH="1">
+            <a:off x="6924261" y="2617304"/>
+            <a:ext cx="1570382" cy="159026"/>
+          </a:xfrm>
+          <a:prstGeom prst="straightConnector1">
+            <a:avLst/>
+          </a:prstGeom>
+          <a:ln w="57150">
+            <a:solidFill>
+              <a:srgbClr val="FF0000"/>
+            </a:solidFill>
+            <a:tailEnd type="triangle"/>
+          </a:ln>
+        </p:spPr>
+        <p:style>
+          <a:lnRef idx="2">
+            <a:schemeClr val="accent1"/>
+          </a:lnRef>
+          <a:fillRef idx="0">
+            <a:schemeClr val="accent1"/>
+          </a:fillRef>
+          <a:effectRef idx="1">
+            <a:schemeClr val="accent1"/>
+          </a:effectRef>
+          <a:fontRef idx="minor">
+            <a:schemeClr val="tx1"/>
+          </a:fontRef>
+        </p:style>
+      </p:cxnSp>
     </p:spTree>
     <p:extLst>
       <p:ext uri="{BB962C8B-B14F-4D97-AF65-F5344CB8AC3E}">
         <p14:creationId xmlns:p14="http://schemas.microsoft.com/office/powerpoint/2010/main" val="1520165152"/>
+      </p:ext>
+    </p:extLst>
+  </p:cSld>
+  <p:clrMapOvr>
+    <a:masterClrMapping/>
+  </p:clrMapOvr>
+</p:sld>
+</file>
+
+<file path=ppt/slides/slide7.xml><?xml version="1.0" encoding="utf-8"?>
+<p:sld xmlns:a="http://schemas.openxmlformats.org/drawingml/2006/main" xmlns:r="http://schemas.openxmlformats.org/officeDocument/2006/relationships" xmlns:p="http://schemas.openxmlformats.org/presentationml/2006/main">
+  <p:cSld>
+    <p:spTree>
+      <p:nvGrpSpPr>
+        <p:cNvPr id="1" name="">
+          <a:extLst>
+            <a:ext uri="{FF2B5EF4-FFF2-40B4-BE49-F238E27FC236}">
+              <a16:creationId xmlns:a16="http://schemas.microsoft.com/office/drawing/2014/main" id="{6C330592-0D0C-8A26-0870-729CF369CD36}"/>
+            </a:ext>
+          </a:extLst>
+        </p:cNvPr>
+        <p:cNvGrpSpPr/>
+        <p:nvPr/>
+      </p:nvGrpSpPr>
+      <p:grpSpPr>
+        <a:xfrm>
+          <a:off x="0" y="0"/>
+          <a:ext cx="0" cy="0"/>
+          <a:chOff x="0" y="0"/>
+          <a:chExt cx="0" cy="0"/>
+        </a:xfrm>
+      </p:grpSpPr>
+      <p:sp>
+        <p:nvSpPr>
+          <p:cNvPr id="2" name="TextBox 1">
+            <a:extLst>
+              <a:ext uri="{FF2B5EF4-FFF2-40B4-BE49-F238E27FC236}">
+                <a16:creationId xmlns:a16="http://schemas.microsoft.com/office/drawing/2014/main" id="{5B8653FB-163F-D2C8-D5BB-A1C0FD7A6C74}"/>
+              </a:ext>
+            </a:extLst>
+          </p:cNvPr>
+          <p:cNvSpPr txBox="1"/>
+          <p:nvPr/>
+        </p:nvSpPr>
+        <p:spPr>
+          <a:xfrm>
+            <a:off x="384313" y="291548"/>
+            <a:ext cx="1369734" cy="400110"/>
+          </a:xfrm>
+          <a:prstGeom prst="rect">
+            <a:avLst/>
+          </a:prstGeom>
+          <a:noFill/>
+        </p:spPr>
+        <p:txBody>
+          <a:bodyPr wrap="none" rtlCol="0">
+            <a:spAutoFit/>
+          </a:bodyPr>
+          <a:lstStyle/>
+          <a:p>
+            <a:r>
+              <a:rPr lang="en-US" altLang="ko-KR" sz="2000" b="1" dirty="0"/>
+              <a:t>UI Button</a:t>
+            </a:r>
+            <a:endParaRPr lang="ko-KR" altLang="en-US" sz="2000" b="1" dirty="0"/>
+          </a:p>
+        </p:txBody>
+      </p:sp>
+      <p:pic>
+        <p:nvPicPr>
+          <p:cNvPr id="7" name="그림 6" descr="텍스트, 스크린샷, 디스플레이, 번호이(가) 표시된 사진&#10;&#10;AI가 생성한 콘텐츠는 부정확할 수 있습니다.">
+            <a:extLst>
+              <a:ext uri="{FF2B5EF4-FFF2-40B4-BE49-F238E27FC236}">
+                <a16:creationId xmlns:a16="http://schemas.microsoft.com/office/drawing/2014/main" id="{E20C171E-10DF-FCD9-0109-90DDF251F5E6}"/>
+              </a:ext>
+            </a:extLst>
+          </p:cNvPr>
+          <p:cNvPicPr>
+            <a:picLocks noChangeAspect="1"/>
+          </p:cNvPicPr>
+          <p:nvPr/>
+        </p:nvPicPr>
+        <p:blipFill>
+          <a:blip r:embed="rId2">
+            <a:extLst>
+              <a:ext uri="{28A0092B-C50C-407E-A947-70E740481C1C}">
+                <a14:useLocalDpi xmlns:a14="http://schemas.microsoft.com/office/drawing/2010/main" val="0"/>
+              </a:ext>
+            </a:extLst>
+          </a:blip>
+          <a:stretch>
+            <a:fillRect/>
+          </a:stretch>
+        </p:blipFill>
+        <p:spPr>
+          <a:xfrm>
+            <a:off x="2383252" y="1415121"/>
+            <a:ext cx="7922165" cy="4462218"/>
+          </a:xfrm>
+          <a:prstGeom prst="rect">
+            <a:avLst/>
+          </a:prstGeom>
+        </p:spPr>
+      </p:pic>
+      <p:grpSp>
+        <p:nvGrpSpPr>
+          <p:cNvPr id="10" name="그룹 9">
+            <a:extLst>
+              <a:ext uri="{FF2B5EF4-FFF2-40B4-BE49-F238E27FC236}">
+                <a16:creationId xmlns:a16="http://schemas.microsoft.com/office/drawing/2014/main" id="{9BDFC3CD-131A-2008-772C-E83DC64AC0D5}"/>
+              </a:ext>
+            </a:extLst>
+          </p:cNvPr>
+          <p:cNvGrpSpPr/>
+          <p:nvPr/>
+        </p:nvGrpSpPr>
+        <p:grpSpPr>
+          <a:xfrm>
+            <a:off x="867505" y="3354681"/>
+            <a:ext cx="3031494" cy="978780"/>
+            <a:chOff x="867505" y="3354681"/>
+            <a:chExt cx="3031494" cy="978780"/>
+          </a:xfrm>
+        </p:grpSpPr>
+        <p:pic>
+          <p:nvPicPr>
+            <p:cNvPr id="6" name="그림 5" descr="텍스트, 스크린샷, PC 게임, 비디오 게임 소프트웨어이(가) 표시된 사진&#10;&#10;AI가 생성한 콘텐츠는 부정확할 수 있습니다.">
+              <a:extLst>
+                <a:ext uri="{FF2B5EF4-FFF2-40B4-BE49-F238E27FC236}">
+                  <a16:creationId xmlns:a16="http://schemas.microsoft.com/office/drawing/2014/main" id="{5B9E7EEE-C93A-4466-9309-7B7B2873F5BF}"/>
+                </a:ext>
+              </a:extLst>
+            </p:cNvPr>
+            <p:cNvPicPr>
+              <a:picLocks noChangeAspect="1"/>
+            </p:cNvPicPr>
+            <p:nvPr/>
+          </p:nvPicPr>
+          <p:blipFill>
+            <a:blip r:embed="rId3">
+              <a:extLst>
+                <a:ext uri="{28A0092B-C50C-407E-A947-70E740481C1C}">
+                  <a14:useLocalDpi xmlns:a14="http://schemas.microsoft.com/office/drawing/2010/main" val="0"/>
+                </a:ext>
+              </a:extLst>
+            </a:blip>
+            <a:srcRect l="50832" t="60281" r="31070" b="27071"/>
+            <a:stretch/>
+          </p:blipFill>
+          <p:spPr>
+            <a:xfrm>
+              <a:off x="867505" y="3354681"/>
+              <a:ext cx="3031494" cy="978780"/>
+            </a:xfrm>
+            <a:prstGeom prst="rect">
+              <a:avLst/>
+            </a:prstGeom>
+          </p:spPr>
+        </p:pic>
+        <p:sp>
+          <p:nvSpPr>
+            <p:cNvPr id="8" name="타원 7">
+              <a:extLst>
+                <a:ext uri="{FF2B5EF4-FFF2-40B4-BE49-F238E27FC236}">
+                  <a16:creationId xmlns:a16="http://schemas.microsoft.com/office/drawing/2014/main" id="{24E6FBBC-6DCF-8640-EB3A-BA1FD693430B}"/>
+                </a:ext>
+              </a:extLst>
+            </p:cNvPr>
+            <p:cNvSpPr/>
+            <p:nvPr/>
+          </p:nvSpPr>
+          <p:spPr>
+            <a:xfrm>
+              <a:off x="867505" y="3354681"/>
+              <a:ext cx="389749" cy="389749"/>
+            </a:xfrm>
+            <a:prstGeom prst="ellipse">
+              <a:avLst/>
+            </a:prstGeom>
+            <a:solidFill>
+              <a:schemeClr val="bg1"/>
+            </a:solidFill>
+            <a:ln w="38100">
+              <a:solidFill>
+                <a:srgbClr val="FF0000"/>
+              </a:solidFill>
+            </a:ln>
+          </p:spPr>
+          <p:style>
+            <a:lnRef idx="2">
+              <a:schemeClr val="accent1">
+                <a:shade val="15000"/>
+              </a:schemeClr>
+            </a:lnRef>
+            <a:fillRef idx="1">
+              <a:schemeClr val="accent1"/>
+            </a:fillRef>
+            <a:effectRef idx="0">
+              <a:schemeClr val="accent1"/>
+            </a:effectRef>
+            <a:fontRef idx="minor">
+              <a:schemeClr val="lt1"/>
+            </a:fontRef>
+          </p:style>
+          <p:txBody>
+            <a:bodyPr rtlCol="0" anchor="ctr"/>
+            <a:lstStyle/>
+            <a:p>
+              <a:pPr algn="ctr"/>
+              <a:r>
+                <a:rPr lang="en-US" altLang="ko-KR" dirty="0">
+                  <a:solidFill>
+                    <a:schemeClr val="tx1"/>
+                  </a:solidFill>
+                </a:rPr>
+                <a:t>1</a:t>
+              </a:r>
+              <a:endParaRPr lang="ko-KR" altLang="en-US" dirty="0">
+                <a:solidFill>
+                  <a:schemeClr val="tx1"/>
+                </a:solidFill>
+              </a:endParaRPr>
+            </a:p>
+          </p:txBody>
+        </p:sp>
+      </p:grpSp>
+      <p:cxnSp>
+        <p:nvCxnSpPr>
+          <p:cNvPr id="12" name="직선 화살표 연결선 11">
+            <a:extLst>
+              <a:ext uri="{FF2B5EF4-FFF2-40B4-BE49-F238E27FC236}">
+                <a16:creationId xmlns:a16="http://schemas.microsoft.com/office/drawing/2014/main" id="{6CCDD69B-B3BF-C360-5EAA-6517ECF9D0AC}"/>
+              </a:ext>
+            </a:extLst>
+          </p:cNvPr>
+          <p:cNvCxnSpPr>
+            <a:cxnSpLocks/>
+          </p:cNvCxnSpPr>
+          <p:nvPr/>
+        </p:nvCxnSpPr>
+        <p:spPr>
+          <a:xfrm>
+            <a:off x="3505200" y="4161183"/>
+            <a:ext cx="192157" cy="682487"/>
+          </a:xfrm>
+          <a:prstGeom prst="straightConnector1">
+            <a:avLst/>
+          </a:prstGeom>
+          <a:ln w="57150">
+            <a:solidFill>
+              <a:srgbClr val="FF0000"/>
+            </a:solidFill>
+            <a:tailEnd type="triangle"/>
+          </a:ln>
+        </p:spPr>
+        <p:style>
+          <a:lnRef idx="2">
+            <a:schemeClr val="accent1"/>
+          </a:lnRef>
+          <a:fillRef idx="0">
+            <a:schemeClr val="accent1"/>
+          </a:fillRef>
+          <a:effectRef idx="1">
+            <a:schemeClr val="accent1"/>
+          </a:effectRef>
+          <a:fontRef idx="minor">
+            <a:schemeClr val="tx1"/>
+          </a:fontRef>
+        </p:style>
+      </p:cxnSp>
+      <p:pic>
+        <p:nvPicPr>
+          <p:cNvPr id="30" name="그림 29" descr="만화 영화, 텍스트, 스크린샷이(가) 표시된 사진&#10;&#10;AI가 생성한 콘텐츠는 부정확할 수 있습니다.">
+            <a:extLst>
+              <a:ext uri="{FF2B5EF4-FFF2-40B4-BE49-F238E27FC236}">
+                <a16:creationId xmlns:a16="http://schemas.microsoft.com/office/drawing/2014/main" id="{80CFF3E2-86DC-ED4B-B97E-51F0998D8201}"/>
+              </a:ext>
+            </a:extLst>
+          </p:cNvPr>
+          <p:cNvPicPr>
+            <a:picLocks noChangeAspect="1"/>
+          </p:cNvPicPr>
+          <p:nvPr/>
+        </p:nvPicPr>
+        <p:blipFill>
+          <a:blip r:embed="rId4">
+            <a:extLst>
+              <a:ext uri="{28A0092B-C50C-407E-A947-70E740481C1C}">
+                <a14:useLocalDpi xmlns:a14="http://schemas.microsoft.com/office/drawing/2010/main" val="0"/>
+              </a:ext>
+            </a:extLst>
+          </a:blip>
+          <a:srcRect l="15392" t="20914" r="46100" b="66879"/>
+          <a:stretch/>
+        </p:blipFill>
+        <p:spPr>
+          <a:xfrm>
+            <a:off x="7524805" y="2012995"/>
+            <a:ext cx="3482114" cy="771148"/>
+          </a:xfrm>
+          <a:prstGeom prst="rect">
+            <a:avLst/>
+          </a:prstGeom>
+        </p:spPr>
+      </p:pic>
+      <p:sp>
+        <p:nvSpPr>
+          <p:cNvPr id="33" name="타원 32">
+            <a:extLst>
+              <a:ext uri="{FF2B5EF4-FFF2-40B4-BE49-F238E27FC236}">
+                <a16:creationId xmlns:a16="http://schemas.microsoft.com/office/drawing/2014/main" id="{4C57E9CC-85D4-9FB0-45CE-FE4B86CEB816}"/>
+              </a:ext>
+            </a:extLst>
+          </p:cNvPr>
+          <p:cNvSpPr/>
+          <p:nvPr/>
+        </p:nvSpPr>
+        <p:spPr>
+          <a:xfrm>
+            <a:off x="7256755" y="1789047"/>
+            <a:ext cx="389749" cy="389749"/>
+          </a:xfrm>
+          <a:prstGeom prst="ellipse">
+            <a:avLst/>
+          </a:prstGeom>
+          <a:solidFill>
+            <a:schemeClr val="bg1"/>
+          </a:solidFill>
+          <a:ln w="38100">
+            <a:solidFill>
+              <a:srgbClr val="FF0000"/>
+            </a:solidFill>
+          </a:ln>
+        </p:spPr>
+        <p:style>
+          <a:lnRef idx="2">
+            <a:schemeClr val="accent1">
+              <a:shade val="15000"/>
+            </a:schemeClr>
+          </a:lnRef>
+          <a:fillRef idx="1">
+            <a:schemeClr val="accent1"/>
+          </a:fillRef>
+          <a:effectRef idx="0">
+            <a:schemeClr val="accent1"/>
+          </a:effectRef>
+          <a:fontRef idx="minor">
+            <a:schemeClr val="lt1"/>
+          </a:fontRef>
+        </p:style>
+        <p:txBody>
+          <a:bodyPr rtlCol="0" anchor="ctr"/>
+          <a:lstStyle/>
+          <a:p>
+            <a:pPr algn="ctr"/>
+            <a:r>
+              <a:rPr lang="en-US" altLang="ko-KR" dirty="0">
+                <a:solidFill>
+                  <a:schemeClr val="tx1"/>
+                </a:solidFill>
+              </a:rPr>
+              <a:t>2</a:t>
+            </a:r>
+            <a:endParaRPr lang="ko-KR" altLang="en-US" dirty="0">
+              <a:solidFill>
+                <a:schemeClr val="tx1"/>
+              </a:solidFill>
+            </a:endParaRPr>
+          </a:p>
+        </p:txBody>
+      </p:sp>
+      <p:cxnSp>
+        <p:nvCxnSpPr>
+          <p:cNvPr id="25" name="직선 화살표 연결선 24">
+            <a:extLst>
+              <a:ext uri="{FF2B5EF4-FFF2-40B4-BE49-F238E27FC236}">
+                <a16:creationId xmlns:a16="http://schemas.microsoft.com/office/drawing/2014/main" id="{10B650A6-60C8-EC1B-6899-4CF492471BFA}"/>
+              </a:ext>
+            </a:extLst>
+          </p:cNvPr>
+          <p:cNvCxnSpPr>
+            <a:cxnSpLocks/>
+          </p:cNvCxnSpPr>
+          <p:nvPr/>
+        </p:nvCxnSpPr>
+        <p:spPr>
+          <a:xfrm flipH="1">
+            <a:off x="5645426" y="2411896"/>
+            <a:ext cx="2001078" cy="139147"/>
+          </a:xfrm>
+          <a:prstGeom prst="straightConnector1">
+            <a:avLst/>
+          </a:prstGeom>
+          <a:ln w="57150">
+            <a:solidFill>
+              <a:srgbClr val="FF0000"/>
+            </a:solidFill>
+            <a:tailEnd type="triangle"/>
+          </a:ln>
+        </p:spPr>
+        <p:style>
+          <a:lnRef idx="2">
+            <a:schemeClr val="accent1"/>
+          </a:lnRef>
+          <a:fillRef idx="0">
+            <a:schemeClr val="accent1"/>
+          </a:fillRef>
+          <a:effectRef idx="1">
+            <a:schemeClr val="accent1"/>
+          </a:effectRef>
+          <a:fontRef idx="minor">
+            <a:schemeClr val="tx1"/>
+          </a:fontRef>
+        </p:style>
+      </p:cxnSp>
+    </p:spTree>
+    <p:extLst>
+      <p:ext uri="{BB962C8B-B14F-4D97-AF65-F5344CB8AC3E}">
+        <p14:creationId xmlns:p14="http://schemas.microsoft.com/office/powerpoint/2010/main" val="1101926772"/>
+      </p:ext>
+    </p:extLst>
+  </p:cSld>
+  <p:clrMapOvr>
+    <a:masterClrMapping/>
+  </p:clrMapOvr>
+</p:sld>
+</file>
+
+<file path=ppt/slides/slide8.xml><?xml version="1.0" encoding="utf-8"?>
+<p:sld xmlns:a="http://schemas.openxmlformats.org/drawingml/2006/main" xmlns:r="http://schemas.openxmlformats.org/officeDocument/2006/relationships" xmlns:p="http://schemas.openxmlformats.org/presentationml/2006/main">
+  <p:cSld>
+    <p:spTree>
+      <p:nvGrpSpPr>
+        <p:cNvPr id="1" name="">
+          <a:extLst>
+            <a:ext uri="{FF2B5EF4-FFF2-40B4-BE49-F238E27FC236}">
+              <a16:creationId xmlns:a16="http://schemas.microsoft.com/office/drawing/2014/main" id="{D93F79F7-3A39-E19D-740C-C5ECDAB17A29}"/>
+            </a:ext>
+          </a:extLst>
+        </p:cNvPr>
+        <p:cNvGrpSpPr/>
+        <p:nvPr/>
+      </p:nvGrpSpPr>
+      <p:grpSpPr>
+        <a:xfrm>
+          <a:off x="0" y="0"/>
+          <a:ext cx="0" cy="0"/>
+          <a:chOff x="0" y="0"/>
+          <a:chExt cx="0" cy="0"/>
+        </a:xfrm>
+      </p:grpSpPr>
+      <p:sp>
+        <p:nvSpPr>
+          <p:cNvPr id="2" name="TextBox 1">
+            <a:extLst>
+              <a:ext uri="{FF2B5EF4-FFF2-40B4-BE49-F238E27FC236}">
+                <a16:creationId xmlns:a16="http://schemas.microsoft.com/office/drawing/2014/main" id="{03A85ED5-8426-F0C0-6467-B133625D48B8}"/>
+              </a:ext>
+            </a:extLst>
+          </p:cNvPr>
+          <p:cNvSpPr txBox="1"/>
+          <p:nvPr/>
+        </p:nvSpPr>
+        <p:spPr>
+          <a:xfrm>
+            <a:off x="384313" y="291548"/>
+            <a:ext cx="1809021" cy="400110"/>
+          </a:xfrm>
+          <a:prstGeom prst="rect">
+            <a:avLst/>
+          </a:prstGeom>
+          <a:noFill/>
+        </p:spPr>
+        <p:txBody>
+          <a:bodyPr wrap="none" rtlCol="0">
+            <a:spAutoFit/>
+          </a:bodyPr>
+          <a:lstStyle/>
+          <a:p>
+            <a:r>
+              <a:rPr lang="en-US" altLang="ko-KR" sz="2000" b="1" dirty="0"/>
+              <a:t>Potion Result</a:t>
+            </a:r>
+            <a:endParaRPr lang="ko-KR" altLang="en-US" sz="2000" b="1" dirty="0"/>
+          </a:p>
+        </p:txBody>
+      </p:sp>
+      <p:pic>
+        <p:nvPicPr>
+          <p:cNvPr id="4" name="그림 3" descr="텍스트, 스크린샷, 디스플레이, 번호이(가) 표시된 사진&#10;&#10;AI가 생성한 콘텐츠는 부정확할 수 있습니다.">
+            <a:extLst>
+              <a:ext uri="{FF2B5EF4-FFF2-40B4-BE49-F238E27FC236}">
+                <a16:creationId xmlns:a16="http://schemas.microsoft.com/office/drawing/2014/main" id="{0F195CD9-BC65-1B4A-338A-783BC15645A5}"/>
+              </a:ext>
+            </a:extLst>
+          </p:cNvPr>
+          <p:cNvPicPr>
+            <a:picLocks noChangeAspect="1"/>
+          </p:cNvPicPr>
+          <p:nvPr/>
+        </p:nvPicPr>
+        <p:blipFill>
+          <a:blip r:embed="rId2">
+            <a:extLst>
+              <a:ext uri="{28A0092B-C50C-407E-A947-70E740481C1C}">
+                <a14:useLocalDpi xmlns:a14="http://schemas.microsoft.com/office/drawing/2010/main" val="0"/>
+              </a:ext>
+            </a:extLst>
+          </a:blip>
+          <a:stretch>
+            <a:fillRect/>
+          </a:stretch>
+        </p:blipFill>
+        <p:spPr>
+          <a:xfrm>
+            <a:off x="2913655" y="1025306"/>
+            <a:ext cx="6364690" cy="5289354"/>
+          </a:xfrm>
+          <a:prstGeom prst="rect">
+            <a:avLst/>
+          </a:prstGeom>
+        </p:spPr>
+      </p:pic>
+      <p:pic>
+        <p:nvPicPr>
+          <p:cNvPr id="9" name="그림 8" descr="텍스트, 스크린샷, 그래픽, 그래픽 디자인이(가) 표시된 사진&#10;&#10;AI가 생성한 콘텐츠는 부정확할 수 있습니다.">
+            <a:extLst>
+              <a:ext uri="{FF2B5EF4-FFF2-40B4-BE49-F238E27FC236}">
+                <a16:creationId xmlns:a16="http://schemas.microsoft.com/office/drawing/2014/main" id="{F717FEA4-86BC-D19D-98CC-16B127608EAA}"/>
+              </a:ext>
+            </a:extLst>
+          </p:cNvPr>
+          <p:cNvPicPr>
+            <a:picLocks noChangeAspect="1"/>
+          </p:cNvPicPr>
+          <p:nvPr/>
+        </p:nvPicPr>
+        <p:blipFill>
+          <a:blip r:embed="rId3">
+            <a:extLst>
+              <a:ext uri="{28A0092B-C50C-407E-A947-70E740481C1C}">
+                <a14:useLocalDpi xmlns:a14="http://schemas.microsoft.com/office/drawing/2010/main" val="0"/>
+              </a:ext>
+            </a:extLst>
+          </a:blip>
+          <a:srcRect l="23165" t="71375" r="22057" b="21142"/>
+          <a:stretch/>
+        </p:blipFill>
+        <p:spPr>
+          <a:xfrm>
+            <a:off x="815577" y="4556783"/>
+            <a:ext cx="3567373" cy="871252"/>
+          </a:xfrm>
+          <a:prstGeom prst="rect">
+            <a:avLst/>
+          </a:prstGeom>
+        </p:spPr>
+      </p:pic>
+      <p:sp>
+        <p:nvSpPr>
+          <p:cNvPr id="16" name="타원 15">
+            <a:extLst>
+              <a:ext uri="{FF2B5EF4-FFF2-40B4-BE49-F238E27FC236}">
+                <a16:creationId xmlns:a16="http://schemas.microsoft.com/office/drawing/2014/main" id="{C6494ADE-6B6B-9154-87A8-3DF29E4E6BF7}"/>
+              </a:ext>
+            </a:extLst>
+          </p:cNvPr>
+          <p:cNvSpPr/>
+          <p:nvPr/>
+        </p:nvSpPr>
+        <p:spPr>
+          <a:xfrm>
+            <a:off x="703072" y="4356728"/>
+            <a:ext cx="400110" cy="400110"/>
+          </a:xfrm>
+          <a:prstGeom prst="ellipse">
+            <a:avLst/>
+          </a:prstGeom>
+          <a:solidFill>
+            <a:schemeClr val="bg1"/>
+          </a:solidFill>
+          <a:ln w="38100">
+            <a:solidFill>
+              <a:srgbClr val="FF0000"/>
+            </a:solidFill>
+          </a:ln>
+        </p:spPr>
+        <p:style>
+          <a:lnRef idx="2">
+            <a:schemeClr val="accent1">
+              <a:shade val="15000"/>
+            </a:schemeClr>
+          </a:lnRef>
+          <a:fillRef idx="1">
+            <a:schemeClr val="accent1"/>
+          </a:fillRef>
+          <a:effectRef idx="0">
+            <a:schemeClr val="accent1"/>
+          </a:effectRef>
+          <a:fontRef idx="minor">
+            <a:schemeClr val="lt1"/>
+          </a:fontRef>
+        </p:style>
+        <p:txBody>
+          <a:bodyPr rtlCol="0" anchor="ctr"/>
+          <a:lstStyle/>
+          <a:p>
+            <a:pPr algn="ctr"/>
+            <a:r>
+              <a:rPr lang="en-US" altLang="ko-KR" sz="2000" dirty="0">
+                <a:solidFill>
+                  <a:schemeClr val="tx1"/>
+                </a:solidFill>
+              </a:rPr>
+              <a:t>1</a:t>
+            </a:r>
+            <a:endParaRPr lang="ko-KR" altLang="en-US" sz="2000" dirty="0">
+              <a:solidFill>
+                <a:schemeClr val="tx1"/>
+              </a:solidFill>
+            </a:endParaRPr>
+          </a:p>
+        </p:txBody>
+      </p:sp>
+      <p:cxnSp>
+        <p:nvCxnSpPr>
+          <p:cNvPr id="19" name="직선 화살표 연결선 18">
+            <a:extLst>
+              <a:ext uri="{FF2B5EF4-FFF2-40B4-BE49-F238E27FC236}">
+                <a16:creationId xmlns:a16="http://schemas.microsoft.com/office/drawing/2014/main" id="{32733186-426A-665E-5EA2-F3381FC68C9E}"/>
+              </a:ext>
+            </a:extLst>
+          </p:cNvPr>
+          <p:cNvCxnSpPr/>
+          <p:nvPr/>
+        </p:nvCxnSpPr>
+        <p:spPr>
+          <a:xfrm>
+            <a:off x="4114800" y="5068957"/>
+            <a:ext cx="490330" cy="145773"/>
+          </a:xfrm>
+          <a:prstGeom prst="straightConnector1">
+            <a:avLst/>
+          </a:prstGeom>
+          <a:ln w="57150">
+            <a:solidFill>
+              <a:srgbClr val="FF0000"/>
+            </a:solidFill>
+            <a:tailEnd type="triangle"/>
+          </a:ln>
+        </p:spPr>
+        <p:style>
+          <a:lnRef idx="2">
+            <a:schemeClr val="accent1"/>
+          </a:lnRef>
+          <a:fillRef idx="0">
+            <a:schemeClr val="accent1"/>
+          </a:fillRef>
+          <a:effectRef idx="1">
+            <a:schemeClr val="accent1"/>
+          </a:effectRef>
+          <a:fontRef idx="minor">
+            <a:schemeClr val="tx1"/>
+          </a:fontRef>
+        </p:style>
+      </p:cxnSp>
+    </p:spTree>
+    <p:extLst>
+      <p:ext uri="{BB962C8B-B14F-4D97-AF65-F5344CB8AC3E}">
+        <p14:creationId xmlns:p14="http://schemas.microsoft.com/office/powerpoint/2010/main" val="2755228329"/>
+      </p:ext>
+    </p:extLst>
+  </p:cSld>
+  <p:clrMapOvr>
+    <a:masterClrMapping/>
+  </p:clrMapOvr>
+</p:sld>
+</file>
+
+<file path=ppt/slides/slide9.xml><?xml version="1.0" encoding="utf-8"?>
+<p:sld xmlns:a="http://schemas.openxmlformats.org/drawingml/2006/main" xmlns:r="http://schemas.openxmlformats.org/officeDocument/2006/relationships" xmlns:p="http://schemas.openxmlformats.org/presentationml/2006/main">
+  <p:cSld>
+    <p:spTree>
+      <p:nvGrpSpPr>
+        <p:cNvPr id="1" name="">
+          <a:extLst>
+            <a:ext uri="{FF2B5EF4-FFF2-40B4-BE49-F238E27FC236}">
+              <a16:creationId xmlns:a16="http://schemas.microsoft.com/office/drawing/2014/main" id="{FBD74026-BA5A-D88B-B356-B080AF65D3E7}"/>
+            </a:ext>
+          </a:extLst>
+        </p:cNvPr>
+        <p:cNvGrpSpPr/>
+        <p:nvPr/>
+      </p:nvGrpSpPr>
+      <p:grpSpPr>
+        <a:xfrm>
+          <a:off x="0" y="0"/>
+          <a:ext cx="0" cy="0"/>
+          <a:chOff x="0" y="0"/>
+          <a:chExt cx="0" cy="0"/>
+        </a:xfrm>
+      </p:grpSpPr>
+      <p:sp>
+        <p:nvSpPr>
+          <p:cNvPr id="2" name="TextBox 1">
+            <a:extLst>
+              <a:ext uri="{FF2B5EF4-FFF2-40B4-BE49-F238E27FC236}">
+                <a16:creationId xmlns:a16="http://schemas.microsoft.com/office/drawing/2014/main" id="{72DE565B-A2C5-C515-F136-9CDC808B197E}"/>
+              </a:ext>
+            </a:extLst>
+          </p:cNvPr>
+          <p:cNvSpPr txBox="1"/>
+          <p:nvPr/>
+        </p:nvSpPr>
+        <p:spPr>
+          <a:xfrm>
+            <a:off x="384313" y="291548"/>
+            <a:ext cx="1487330" cy="400110"/>
+          </a:xfrm>
+          <a:prstGeom prst="rect">
+            <a:avLst/>
+          </a:prstGeom>
+          <a:noFill/>
+        </p:spPr>
+        <p:txBody>
+          <a:bodyPr wrap="none" rtlCol="0">
+            <a:spAutoFit/>
+          </a:bodyPr>
+          <a:lstStyle/>
+          <a:p>
+            <a:r>
+              <a:rPr lang="en-US" altLang="ko-KR" sz="2000" b="1" dirty="0"/>
+              <a:t>Day Result</a:t>
+            </a:r>
+            <a:endParaRPr lang="ko-KR" altLang="en-US" sz="2000" b="1" dirty="0"/>
+          </a:p>
+        </p:txBody>
+      </p:sp>
+    </p:spTree>
+    <p:extLst>
+      <p:ext uri="{BB962C8B-B14F-4D97-AF65-F5344CB8AC3E}">
+        <p14:creationId xmlns:p14="http://schemas.microsoft.com/office/powerpoint/2010/main" val="2578571808"/>
       </p:ext>
     </p:extLst>
   </p:cSld>
